--- a/Project5-Capstone/Walmart/Walmart.pptx
+++ b/Project5-Capstone/Walmart/Walmart.pptx
@@ -4374,7 +4374,7 @@
         </p:blipFill>
         <p:spPr>
           <a:xfrm>
-            <a:off x="2374900" y="3308350"/>
+            <a:off x="2374900" y="4056493"/>
             <a:ext cx="7594600" cy="1536700"/>
           </a:xfrm>
         </p:spPr>
@@ -4599,6 +4599,24 @@
             <a:r>
               <a:rPr lang="en-US" dirty="0" smtClean="0"/>
               <a:t> is used to fit linear models to time series including trend and seasonality components</a:t>
+            </a:r>
+          </a:p>
+          <a:p>
+            <a:r>
+              <a:rPr lang="en-US" dirty="0"/>
+              <a:t>I</a:t>
+            </a:r>
+            <a:r>
+              <a:rPr lang="en-US" dirty="0" smtClean="0"/>
+              <a:t>t </a:t>
+            </a:r>
+            <a:r>
+              <a:rPr lang="en-US" dirty="0"/>
+              <a:t>allows variables "trend" and "season" which are created on the fly from the time series characteristics of the data. The variable "trend" is a simple time trend and "season" is a factor indicating the season </a:t>
+            </a:r>
+            <a:r>
+              <a:rPr lang="en-US" dirty="0" smtClean="0"/>
+              <a:t/>
             </a:r>
             <a:br>
               <a:rPr lang="en-US" dirty="0" smtClean="0"/>
@@ -4683,21 +4701,99 @@
           <a:lstStyle/>
           <a:p>
             <a:r>
-              <a:rPr lang="en-US" dirty="0"/>
-              <a:t>Fit an ARIMA model to a univariate time </a:t>
-            </a:r>
-            <a:r>
               <a:rPr lang="en-US" dirty="0" smtClean="0"/>
-              <a:t>series</a:t>
-            </a:r>
-            <a:r>
-              <a:rPr lang="en-US" dirty="0"/>
-              <a:t/>
-            </a:r>
-            <a:br>
-              <a:rPr lang="en-US" dirty="0"/>
-            </a:br>
-            <a:endParaRPr lang="en-US" dirty="0"/>
+              <a:t>These models are fitted to time series data to better understand the data or to predict future points in the series</a:t>
+            </a:r>
+          </a:p>
+          <a:p>
+            <a:r>
+              <a:rPr lang="pt-BR" dirty="0" err="1"/>
+              <a:t>X</a:t>
+            </a:r>
+            <a:r>
+              <a:rPr lang="pt-BR" dirty="0"/>
+              <a:t>[</a:t>
+            </a:r>
+            <a:r>
+              <a:rPr lang="pt-BR" dirty="0" err="1"/>
+              <a:t>t</a:t>
+            </a:r>
+            <a:r>
+              <a:rPr lang="pt-BR" dirty="0"/>
+              <a:t>] = a[1]</a:t>
+            </a:r>
+            <a:r>
+              <a:rPr lang="pt-BR" dirty="0" err="1"/>
+              <a:t>X</a:t>
+            </a:r>
+            <a:r>
+              <a:rPr lang="pt-BR" dirty="0"/>
+              <a:t>[t-1] + ... + a[</a:t>
+            </a:r>
+            <a:r>
+              <a:rPr lang="pt-BR" dirty="0" err="1"/>
+              <a:t>p</a:t>
+            </a:r>
+            <a:r>
+              <a:rPr lang="pt-BR" dirty="0"/>
+              <a:t>]</a:t>
+            </a:r>
+            <a:r>
+              <a:rPr lang="pt-BR" dirty="0" err="1"/>
+              <a:t>X</a:t>
+            </a:r>
+            <a:r>
+              <a:rPr lang="pt-BR" dirty="0"/>
+              <a:t>[</a:t>
+            </a:r>
+            <a:r>
+              <a:rPr lang="pt-BR" dirty="0" err="1"/>
+              <a:t>t-p</a:t>
+            </a:r>
+            <a:r>
+              <a:rPr lang="pt-BR" dirty="0"/>
+              <a:t>] + e[</a:t>
+            </a:r>
+            <a:r>
+              <a:rPr lang="pt-BR" dirty="0" err="1"/>
+              <a:t>t</a:t>
+            </a:r>
+            <a:r>
+              <a:rPr lang="pt-BR" dirty="0"/>
+              <a:t>] + </a:t>
+            </a:r>
+            <a:r>
+              <a:rPr lang="pt-BR" dirty="0" err="1"/>
+              <a:t>b</a:t>
+            </a:r>
+            <a:r>
+              <a:rPr lang="pt-BR" dirty="0"/>
+              <a:t>[1]e[t-1] + ... + </a:t>
+            </a:r>
+            <a:r>
+              <a:rPr lang="pt-BR" dirty="0" err="1"/>
+              <a:t>b</a:t>
+            </a:r>
+            <a:r>
+              <a:rPr lang="pt-BR" dirty="0"/>
+              <a:t>[</a:t>
+            </a:r>
+            <a:r>
+              <a:rPr lang="pt-BR" dirty="0" err="1"/>
+              <a:t>q</a:t>
+            </a:r>
+            <a:r>
+              <a:rPr lang="pt-BR" dirty="0"/>
+              <a:t>]e[</a:t>
+            </a:r>
+            <a:r>
+              <a:rPr lang="pt-BR" dirty="0" err="1"/>
+              <a:t>t-q</a:t>
+            </a:r>
+            <a:r>
+              <a:rPr lang="pt-BR" dirty="0" smtClean="0"/>
+              <a:t>]</a:t>
+            </a:r>
           </a:p>
         </p:txBody>
       </p:sp>
@@ -4723,7 +4819,7 @@
         </p:blipFill>
         <p:spPr>
           <a:xfrm>
-            <a:off x="2298700" y="2667000"/>
+            <a:off x="2585779" y="3815322"/>
             <a:ext cx="7581900" cy="1524000"/>
           </a:xfrm>
           <a:prstGeom prst="rect">
@@ -6368,11 +6464,232 @@
         </p:blipFill>
         <p:spPr>
           <a:xfrm>
-            <a:off x="2124472" y="2286000"/>
+            <a:off x="2124472" y="2392329"/>
             <a:ext cx="8095456" cy="3581400"/>
           </a:xfrm>
         </p:spPr>
       </p:pic>
+      <p:sp>
+        <p:nvSpPr>
+          <p:cNvPr id="6" name="Content Placeholder 2"/>
+          <p:cNvSpPr txBox="1">
+            <a:spLocks/>
+          </p:cNvSpPr>
+          <p:nvPr/>
+        </p:nvSpPr>
+        <p:spPr>
+          <a:xfrm>
+            <a:off x="1371600" y="1670199"/>
+            <a:ext cx="9601200" cy="3581400"/>
+          </a:xfrm>
+          <a:prstGeom prst="rect">
+            <a:avLst/>
+          </a:prstGeom>
+        </p:spPr>
+        <p:txBody>
+          <a:bodyPr vert="horz" lIns="91440" tIns="45720" rIns="91440" bIns="45720" rtlCol="0">
+            <a:normAutofit/>
+          </a:bodyPr>
+          <a:lstStyle>
+            <a:lvl1pPr marL="384048" indent="-384048" algn="l" defTabSz="914400" rtl="0" eaLnBrk="1" latinLnBrk="0" hangingPunct="1">
+              <a:lnSpc>
+                <a:spcPct val="94000"/>
+              </a:lnSpc>
+              <a:spcBef>
+                <a:spcPts val="1000"/>
+              </a:spcBef>
+              <a:spcAft>
+                <a:spcPts val="200"/>
+              </a:spcAft>
+              <a:buFont typeface="Franklin Gothic Book" panose="020B0503020102020204" pitchFamily="34" charset="0"/>
+              <a:buChar char="■"/>
+              <a:defRPr sz="2000" kern="1200" baseline="0">
+                <a:solidFill>
+                  <a:schemeClr val="tx2"/>
+                </a:solidFill>
+                <a:latin typeface="+mn-lt"/>
+                <a:ea typeface="+mn-ea"/>
+                <a:cs typeface="+mn-cs"/>
+              </a:defRPr>
+            </a:lvl1pPr>
+            <a:lvl2pPr marL="914400" indent="-384048" algn="l" defTabSz="914400" rtl="0" eaLnBrk="1" latinLnBrk="0" hangingPunct="1">
+              <a:lnSpc>
+                <a:spcPct val="94000"/>
+              </a:lnSpc>
+              <a:spcBef>
+                <a:spcPts val="500"/>
+              </a:spcBef>
+              <a:spcAft>
+                <a:spcPts val="200"/>
+              </a:spcAft>
+              <a:buFont typeface="Franklin Gothic Book" panose="020B0503020102020204" pitchFamily="34" charset="0"/>
+              <a:buChar char="–"/>
+              <a:defRPr sz="2000" i="1" kern="1200" baseline="0">
+                <a:solidFill>
+                  <a:schemeClr val="tx2"/>
+                </a:solidFill>
+                <a:latin typeface="+mn-lt"/>
+                <a:ea typeface="+mn-ea"/>
+                <a:cs typeface="+mn-cs"/>
+              </a:defRPr>
+            </a:lvl2pPr>
+            <a:lvl3pPr marL="1371600" indent="-384048" algn="l" defTabSz="914400" rtl="0" eaLnBrk="1" latinLnBrk="0" hangingPunct="1">
+              <a:lnSpc>
+                <a:spcPct val="94000"/>
+              </a:lnSpc>
+              <a:spcBef>
+                <a:spcPts val="500"/>
+              </a:spcBef>
+              <a:spcAft>
+                <a:spcPts val="200"/>
+              </a:spcAft>
+              <a:buFont typeface="Franklin Gothic Book" panose="020B0503020102020204" pitchFamily="34" charset="0"/>
+              <a:buChar char="■"/>
+              <a:defRPr sz="1800" kern="1200" baseline="0">
+                <a:solidFill>
+                  <a:schemeClr val="tx2"/>
+                </a:solidFill>
+                <a:latin typeface="+mn-lt"/>
+                <a:ea typeface="+mn-ea"/>
+                <a:cs typeface="+mn-cs"/>
+              </a:defRPr>
+            </a:lvl3pPr>
+            <a:lvl4pPr marL="1828800" indent="-384048" algn="l" defTabSz="914400" rtl="0" eaLnBrk="1" latinLnBrk="0" hangingPunct="1">
+              <a:lnSpc>
+                <a:spcPct val="94000"/>
+              </a:lnSpc>
+              <a:spcBef>
+                <a:spcPts val="500"/>
+              </a:spcBef>
+              <a:spcAft>
+                <a:spcPts val="200"/>
+              </a:spcAft>
+              <a:buFont typeface="Franklin Gothic Book" panose="020B0503020102020204" pitchFamily="34" charset="0"/>
+              <a:buChar char="–"/>
+              <a:defRPr sz="1800" i="1" kern="1200" baseline="0">
+                <a:solidFill>
+                  <a:schemeClr val="tx2"/>
+                </a:solidFill>
+                <a:latin typeface="+mn-lt"/>
+                <a:ea typeface="+mn-ea"/>
+                <a:cs typeface="+mn-cs"/>
+              </a:defRPr>
+            </a:lvl4pPr>
+            <a:lvl5pPr marL="2286000" indent="-384048" algn="l" defTabSz="914400" rtl="0" eaLnBrk="1" latinLnBrk="0" hangingPunct="1">
+              <a:lnSpc>
+                <a:spcPct val="94000"/>
+              </a:lnSpc>
+              <a:spcBef>
+                <a:spcPts val="500"/>
+              </a:spcBef>
+              <a:spcAft>
+                <a:spcPts val="200"/>
+              </a:spcAft>
+              <a:buFont typeface="Franklin Gothic Book" panose="020B0503020102020204" pitchFamily="34" charset="0"/>
+              <a:buChar char="■"/>
+              <a:defRPr sz="1600" kern="1200" baseline="0">
+                <a:solidFill>
+                  <a:schemeClr val="tx2"/>
+                </a:solidFill>
+                <a:latin typeface="+mn-lt"/>
+                <a:ea typeface="+mn-ea"/>
+                <a:cs typeface="+mn-cs"/>
+              </a:defRPr>
+            </a:lvl5pPr>
+            <a:lvl6pPr marL="2743200" indent="-384048" algn="l" defTabSz="914400" rtl="0" eaLnBrk="1" latinLnBrk="0" hangingPunct="1">
+              <a:lnSpc>
+                <a:spcPct val="94000"/>
+              </a:lnSpc>
+              <a:spcBef>
+                <a:spcPts val="500"/>
+              </a:spcBef>
+              <a:spcAft>
+                <a:spcPts val="200"/>
+              </a:spcAft>
+              <a:buFont typeface="Franklin Gothic Book" panose="020B0503020102020204" pitchFamily="34" charset="0"/>
+              <a:buChar char="–"/>
+              <a:defRPr sz="1600" i="1" kern="1200" baseline="0">
+                <a:solidFill>
+                  <a:schemeClr val="tx2"/>
+                </a:solidFill>
+                <a:latin typeface="+mn-lt"/>
+                <a:ea typeface="+mn-ea"/>
+                <a:cs typeface="+mn-cs"/>
+              </a:defRPr>
+            </a:lvl6pPr>
+            <a:lvl7pPr marL="3200400" indent="-384048" algn="l" defTabSz="914400" rtl="0" eaLnBrk="1" latinLnBrk="0" hangingPunct="1">
+              <a:lnSpc>
+                <a:spcPct val="94000"/>
+              </a:lnSpc>
+              <a:spcBef>
+                <a:spcPts val="500"/>
+              </a:spcBef>
+              <a:spcAft>
+                <a:spcPts val="200"/>
+              </a:spcAft>
+              <a:buFont typeface="Franklin Gothic Book" panose="020B0503020102020204" pitchFamily="34" charset="0"/>
+              <a:buChar char="■"/>
+              <a:defRPr sz="1400" kern="1200" baseline="0">
+                <a:solidFill>
+                  <a:schemeClr val="tx2"/>
+                </a:solidFill>
+                <a:latin typeface="+mn-lt"/>
+                <a:ea typeface="+mn-ea"/>
+                <a:cs typeface="+mn-cs"/>
+              </a:defRPr>
+            </a:lvl7pPr>
+            <a:lvl8pPr marL="3657600" indent="-384048" algn="l" defTabSz="914400" rtl="0" eaLnBrk="1" latinLnBrk="0" hangingPunct="1">
+              <a:lnSpc>
+                <a:spcPct val="94000"/>
+              </a:lnSpc>
+              <a:spcBef>
+                <a:spcPts val="500"/>
+              </a:spcBef>
+              <a:spcAft>
+                <a:spcPts val="200"/>
+              </a:spcAft>
+              <a:buFont typeface="Franklin Gothic Book" panose="020B0503020102020204" pitchFamily="34" charset="0"/>
+              <a:buChar char="–"/>
+              <a:defRPr sz="1400" i="1" kern="1200" baseline="0">
+                <a:solidFill>
+                  <a:schemeClr val="tx2"/>
+                </a:solidFill>
+                <a:latin typeface="+mn-lt"/>
+                <a:ea typeface="+mn-ea"/>
+                <a:cs typeface="+mn-cs"/>
+              </a:defRPr>
+            </a:lvl8pPr>
+            <a:lvl9pPr marL="4114800" indent="-384048" algn="l" defTabSz="914400" rtl="0" eaLnBrk="1" latinLnBrk="0" hangingPunct="1">
+              <a:lnSpc>
+                <a:spcPct val="94000"/>
+              </a:lnSpc>
+              <a:spcBef>
+                <a:spcPts val="500"/>
+              </a:spcBef>
+              <a:spcAft>
+                <a:spcPts val="200"/>
+              </a:spcAft>
+              <a:buFont typeface="Franklin Gothic Book" panose="020B0503020102020204" pitchFamily="34" charset="0"/>
+              <a:buChar char="■"/>
+              <a:defRPr sz="1400" kern="1200" baseline="0">
+                <a:solidFill>
+                  <a:schemeClr val="tx2"/>
+                </a:solidFill>
+                <a:latin typeface="+mn-lt"/>
+                <a:ea typeface="+mn-ea"/>
+                <a:cs typeface="+mn-cs"/>
+              </a:defRPr>
+            </a:lvl9pPr>
+          </a:lstStyle>
+          <a:p>
+            <a:r>
+              <a:rPr lang="en-US" dirty="0" smtClean="0"/>
+              <a:t>What is the worst score?</a:t>
+            </a:r>
+            <a:endParaRPr lang="en-US" dirty="0"/>
+          </a:p>
+        </p:txBody>
+      </p:sp>
     </p:spTree>
     <p:extLst>
       <p:ext uri="{BB962C8B-B14F-4D97-AF65-F5344CB8AC3E}">

--- a/Project5-Capstone/Walmart/Walmart.pptx
+++ b/Project5-Capstone/Walmart/Walmart.pptx
@@ -4904,7 +4904,7 @@
         </p:blipFill>
         <p:spPr>
           <a:xfrm>
-            <a:off x="2387600" y="3314700"/>
+            <a:off x="2387600" y="3197970"/>
             <a:ext cx="7569200" cy="1524000"/>
           </a:xfrm>
         </p:spPr>
@@ -5123,21 +5123,29 @@
           </a:lstStyle>
           <a:p>
             <a:r>
+              <a:rPr lang="en-US" dirty="0" err="1" smtClean="0"/>
+              <a:t>stlf</a:t>
+            </a:r>
+            <a:r>
               <a:rPr lang="en-US" dirty="0" smtClean="0"/>
-              <a:t>Forecasts of STL objects are obtained by applying a non-seasonal forecasting method to the seasonally adjusted data and re-</a:t>
-            </a:r>
-            <a:r>
-              <a:rPr lang="en-US" dirty="0" err="1" smtClean="0"/>
-              <a:t>seasonalizing</a:t>
+              <a:t> </a:t>
+            </a:r>
+            <a:r>
+              <a:rPr lang="en-US" dirty="0"/>
+              <a:t>applies an STL decomposition, models the seasonally adjusted data, </a:t>
+            </a:r>
+            <a:r>
+              <a:rPr lang="en-US" dirty="0" err="1"/>
+              <a:t>reseasonalizes</a:t>
+            </a:r>
+            <a:r>
+              <a:rPr lang="en-US" dirty="0"/>
+              <a:t>, and returns the </a:t>
             </a:r>
             <a:r>
               <a:rPr lang="en-US" dirty="0" smtClean="0"/>
-              <a:t> using the last year of the seasonal component</a:t>
-            </a:r>
-            <a:br>
-              <a:rPr lang="en-US" dirty="0" smtClean="0"/>
-            </a:br>
-            <a:endParaRPr lang="en-US" dirty="0" smtClean="0"/>
+              <a:t>forecasts</a:t>
+            </a:r>
           </a:p>
           <a:p>
             <a:endParaRPr lang="en-US" dirty="0"/>

--- a/Project5-Capstone/Walmart/Walmart.pptx
+++ b/Project5-Capstone/Walmart/Walmart.pptx
@@ -4904,7 +4904,7 @@
         </p:blipFill>
         <p:spPr>
           <a:xfrm>
-            <a:off x="2387600" y="3197970"/>
+            <a:off x="2387600" y="3839993"/>
             <a:ext cx="7569200" cy="1524000"/>
           </a:xfrm>
         </p:spPr>
@@ -5123,16 +5123,26 @@
           </a:lstStyle>
           <a:p>
             <a:r>
+              <a:rPr lang="en-US" dirty="0" smtClean="0"/>
+              <a:t>Forecasts of STL objects are obtained by applying a non-seasonal forecasting method to the seasonally adjusted data and re-</a:t>
+            </a:r>
+            <a:r>
               <a:rPr lang="en-US" dirty="0" err="1" smtClean="0"/>
+              <a:t>seasonalizing</a:t>
+            </a:r>
+            <a:r>
+              <a:rPr lang="en-US" dirty="0" smtClean="0"/>
+              <a:t> using the last year of the seasonal component</a:t>
+            </a:r>
+          </a:p>
+          <a:p>
+            <a:r>
+              <a:rPr lang="en-US" dirty="0" err="1"/>
               <a:t>stlf</a:t>
             </a:r>
             <a:r>
-              <a:rPr lang="en-US" dirty="0" smtClean="0"/>
-              <a:t> </a:t>
-            </a:r>
-            <a:r>
               <a:rPr lang="en-US" dirty="0"/>
-              <a:t>applies an STL decomposition, models the seasonally adjusted data, </a:t>
+              <a:t> applies an STL decomposition, models the seasonally adjusted data, </a:t>
             </a:r>
             <a:r>
               <a:rPr lang="en-US" dirty="0" err="1"/>
@@ -5146,6 +5156,10 @@
               <a:rPr lang="en-US" dirty="0" smtClean="0"/>
               <a:t>forecasts</a:t>
             </a:r>
+            <a:br>
+              <a:rPr lang="en-US" dirty="0" smtClean="0"/>
+            </a:br>
+            <a:endParaRPr lang="en-US" dirty="0" smtClean="0"/>
           </a:p>
           <a:p>
             <a:endParaRPr lang="en-US" dirty="0"/>

--- a/Project5-Capstone/Walmart/Walmart.pptx
+++ b/Project5-Capstone/Walmart/Walmart.pptx
@@ -5260,8 +5260,13 @@
           <a:p>
             <a:r>
               <a:rPr lang="en-US" dirty="0" smtClean="0"/>
-              <a:t>Shifting weeks across</a:t>
-            </a:r>
+              <a:t>Shifting weeks to accommodate </a:t>
+            </a:r>
+            <a:r>
+              <a:rPr lang="en-US" smtClean="0"/>
+              <a:t>for partial weeks during holidays</a:t>
+            </a:r>
+            <a:endParaRPr lang="en-US" dirty="0" smtClean="0"/>
           </a:p>
           <a:p>
             <a:endParaRPr lang="en-US" dirty="0"/>
